--- a/Resumen_2025-02-03.pptx
+++ b/Resumen_2025-02-03.pptx
@@ -23,10 +23,9 @@
     <p:sldId id="271" r:id="rId17"/>
     <p:sldId id="272" r:id="rId18"/>
     <p:sldId id="273" r:id="rId19"/>
-    <p:sldId id="274" r:id="rId20"/>
-    <p:sldId id="275" r:id="rId21"/>
-    <p:sldId id="276" r:id="rId22"/>
-    <p:sldId id="277" r:id="rId23"/>
+    <p:sldId id="275" r:id="rId20"/>
+    <p:sldId id="276" r:id="rId21"/>
+    <p:sldId id="277" r:id="rId22"/>
   </p:sldIdLst>
   <p:sldSz cx="12192000" cy="6858000"/>
   <p:notesSz cx="6858000" cy="9144000"/>
@@ -125,6 +124,11 @@
       </a:defRPr>
     </a:lvl9pPr>
   </p:defaultTextStyle>
+  <p:extLst>
+    <p:ext uri="{EFAFB233-063F-42B5-8137-9DF3F51BA10A}">
+      <p15:sldGuideLst xmlns:p15="http://schemas.microsoft.com/office/powerpoint/2012/main"/>
+    </p:ext>
+  </p:extLst>
 </p:presentation>
 </file>
 
@@ -366,7 +370,7 @@
           <a:p>
             <a:fld id="{ED291B17-9318-49DB-B28B-6E5994AE9581}" type="datetime1">
               <a:rPr lang="en-US" smtClean="0"/>
-              <a:t>2/2/2025</a:t>
+              <a:t>2/3/2025</a:t>
             </a:fld>
             <a:endParaRPr lang="en-US" dirty="0"/>
           </a:p>
@@ -569,7 +573,7 @@
           <a:p>
             <a:fld id="{2CED4963-E985-44C4-B8C4-FDD613B7C2F8}" type="datetime1">
               <a:rPr lang="en-US" smtClean="0"/>
-              <a:t>2/2/2025</a:t>
+              <a:t>2/3/2025</a:t>
             </a:fld>
             <a:endParaRPr lang="en-US" dirty="0"/>
           </a:p>
@@ -931,7 +935,7 @@
           <a:p>
             <a:fld id="{ED291B17-9318-49DB-B28B-6E5994AE9581}" type="datetime1">
               <a:rPr lang="en-US" smtClean="0"/>
-              <a:t>2/2/2025</a:t>
+              <a:t>2/3/2025</a:t>
             </a:fld>
             <a:endParaRPr lang="en-US" dirty="0"/>
           </a:p>
@@ -1129,7 +1133,7 @@
           <a:p>
             <a:fld id="{78DD82B9-B8EE-4375-B6FF-88FA6ABB15D9}" type="datetime1">
               <a:rPr lang="en-US" smtClean="0"/>
-              <a:t>2/2/2025</a:t>
+              <a:t>2/3/2025</a:t>
             </a:fld>
             <a:endParaRPr lang="en-US" dirty="0"/>
           </a:p>
@@ -1441,7 +1445,7 @@
           <a:p>
             <a:fld id="{B2497495-0637-405E-AE64-5CC7506D51F5}" type="datetime1">
               <a:rPr lang="en-US" smtClean="0"/>
-              <a:t>2/2/2025</a:t>
+              <a:t>2/3/2025</a:t>
             </a:fld>
             <a:endParaRPr lang="en-US" dirty="0"/>
           </a:p>
@@ -1694,7 +1698,7 @@
           <a:p>
             <a:fld id="{7BFFD690-9426-415D-8B65-26881E07B2D4}" type="datetime1">
               <a:rPr lang="en-US" smtClean="0"/>
-              <a:t>2/2/2025</a:t>
+              <a:t>2/3/2025</a:t>
             </a:fld>
             <a:endParaRPr lang="en-US" dirty="0"/>
           </a:p>
@@ -2116,7 +2120,7 @@
           <a:p>
             <a:fld id="{04C4989A-474C-40DE-95B9-011C28B71673}" type="datetime1">
               <a:rPr lang="en-US" smtClean="0"/>
-              <a:t>2/2/2025</a:t>
+              <a:t>2/3/2025</a:t>
             </a:fld>
             <a:endParaRPr lang="en-US" dirty="0"/>
           </a:p>
@@ -2239,7 +2243,7 @@
           <a:p>
             <a:fld id="{5DB4ED54-5B5E-4A04-93D3-5772E3CE3818}" type="datetime1">
               <a:rPr lang="en-US" smtClean="0"/>
-              <a:t>2/2/2025</a:t>
+              <a:t>2/3/2025</a:t>
             </a:fld>
             <a:endParaRPr lang="en-US" dirty="0"/>
           </a:p>
@@ -2334,7 +2338,7 @@
           <a:p>
             <a:fld id="{4EDE50D6-574B-40AF-946F-D52A04ADE379}" type="datetime1">
               <a:rPr lang="en-US" smtClean="0"/>
-              <a:t>2/2/2025</a:t>
+              <a:t>2/3/2025</a:t>
             </a:fld>
             <a:endParaRPr lang="en-US" dirty="0"/>
           </a:p>
@@ -2711,7 +2715,7 @@
           <a:p>
             <a:fld id="{D82884F1-FFEA-405F-9602-3DCA865EDA4E}" type="datetime1">
               <a:rPr lang="en-US" smtClean="0"/>
-              <a:t>2/2/2025</a:t>
+              <a:t>2/3/2025</a:t>
             </a:fld>
             <a:endParaRPr lang="en-US" dirty="0"/>
           </a:p>
@@ -3004,7 +3008,7 @@
           <a:p>
             <a:fld id="{7E18DB4A-8810-4A10-AD5C-D5E2C667F5B3}" type="datetime1">
               <a:rPr lang="en-US" smtClean="0"/>
-              <a:t>2/2/2025</a:t>
+              <a:t>2/3/2025</a:t>
             </a:fld>
             <a:endParaRPr lang="en-US" dirty="0"/>
           </a:p>
@@ -3219,7 +3223,7 @@
           <a:p>
             <a:fld id="{ED291B17-9318-49DB-B28B-6E5994AE9581}" type="datetime1">
               <a:rPr lang="en-US" smtClean="0"/>
-              <a:t>2/2/2025</a:t>
+              <a:t>2/3/2025</a:t>
             </a:fld>
             <a:endParaRPr lang="en-US" dirty="0"/>
           </a:p>
@@ -6457,297 +6461,6 @@
         <p:cNvPr id="1" name="">
           <a:extLst>
             <a:ext uri="{FF2B5EF4-FFF2-40B4-BE49-F238E27FC236}">
-              <a16:creationId xmlns:a16="http://schemas.microsoft.com/office/drawing/2014/main" id="{941007C3-1641-E035-64BE-7B7307A2E4DB}"/>
-            </a:ext>
-          </a:extLst>
-        </p:cNvPr>
-        <p:cNvGrpSpPr/>
-        <p:nvPr/>
-      </p:nvGrpSpPr>
-      <p:grpSpPr>
-        <a:xfrm>
-          <a:off x="0" y="0"/>
-          <a:ext cx="0" cy="0"/>
-          <a:chOff x="0" y="0"/>
-          <a:chExt cx="0" cy="0"/>
-        </a:xfrm>
-      </p:grpSpPr>
-      <p:sp>
-        <p:nvSpPr>
-          <p:cNvPr id="2" name="Título 1">
-            <a:extLst>
-              <a:ext uri="{FF2B5EF4-FFF2-40B4-BE49-F238E27FC236}">
-                <a16:creationId xmlns:a16="http://schemas.microsoft.com/office/drawing/2014/main" id="{19606522-E993-4B2C-B3E3-E7894FB3DE1D}"/>
-              </a:ext>
-            </a:extLst>
-          </p:cNvPr>
-          <p:cNvSpPr>
-            <a:spLocks noGrp="1"/>
-          </p:cNvSpPr>
-          <p:nvPr>
-            <p:ph type="title"/>
-          </p:nvPr>
-        </p:nvSpPr>
-        <p:spPr/>
-        <p:txBody>
-          <a:bodyPr/>
-          <a:lstStyle/>
-          <a:p>
-            <a:r>
-              <a:rPr lang="es-ES" dirty="0"/>
-              <a:t>Neurobiología</a:t>
-            </a:r>
-            <a:br>
-              <a:rPr lang="es-ES" dirty="0"/>
-            </a:br>
-            <a:r>
-              <a:rPr lang="es-ES" dirty="0"/>
-              <a:t>(SINÁPSIS Y CANALES DE IONES)</a:t>
-            </a:r>
-          </a:p>
-        </p:txBody>
-      </p:sp>
-      <p:sp>
-        <p:nvSpPr>
-          <p:cNvPr id="3" name="Marcador de contenido 2">
-            <a:extLst>
-              <a:ext uri="{FF2B5EF4-FFF2-40B4-BE49-F238E27FC236}">
-                <a16:creationId xmlns:a16="http://schemas.microsoft.com/office/drawing/2014/main" id="{5D618F5D-8402-B2CA-1307-F92851EEDB99}"/>
-              </a:ext>
-            </a:extLst>
-          </p:cNvPr>
-          <p:cNvSpPr>
-            <a:spLocks noGrp="1"/>
-          </p:cNvSpPr>
-          <p:nvPr>
-            <p:ph idx="1"/>
-          </p:nvPr>
-        </p:nvSpPr>
-        <p:spPr>
-          <a:xfrm>
-            <a:off x="581193" y="2070703"/>
-            <a:ext cx="5514807" cy="4405048"/>
-          </a:xfrm>
-        </p:spPr>
-        <p:txBody>
-          <a:bodyPr anchor="t">
-            <a:normAutofit/>
-          </a:bodyPr>
-          <a:lstStyle/>
-          <a:p>
-            <a:pPr marL="0" indent="0" algn="just">
-              <a:buNone/>
-            </a:pPr>
-            <a:r>
-              <a:rPr lang="es-ES" sz="2000" dirty="0"/>
-              <a:t>Los pasos de la sinapsis química son los siguientes:</a:t>
-            </a:r>
-          </a:p>
-          <a:p>
-            <a:pPr algn="just"/>
-            <a:r>
-              <a:rPr lang="es-ES" sz="2000" dirty="0"/>
-              <a:t>Llegada del potencial de acción.</a:t>
-            </a:r>
-          </a:p>
-          <a:p>
-            <a:pPr algn="just"/>
-            <a:r>
-              <a:rPr lang="es-ES" sz="2000" dirty="0"/>
-              <a:t>Liberación de neurotransmisores.</a:t>
-            </a:r>
-          </a:p>
-          <a:p>
-            <a:pPr algn="just"/>
-            <a:r>
-              <a:rPr lang="es-ES" sz="2000" dirty="0"/>
-              <a:t>Unión de receptores.</a:t>
-            </a:r>
-          </a:p>
-          <a:p>
-            <a:pPr algn="just"/>
-            <a:r>
-              <a:rPr lang="es-ES" sz="2000" dirty="0"/>
-              <a:t>Cambios en la carga eléctrica.</a:t>
-            </a:r>
-          </a:p>
-          <a:p>
-            <a:pPr algn="just"/>
-            <a:r>
-              <a:rPr lang="es-ES" sz="2000" dirty="0"/>
-              <a:t>Generación del impulso.</a:t>
-            </a:r>
-          </a:p>
-          <a:p>
-            <a:pPr marL="0" indent="0" algn="just">
-              <a:buNone/>
-            </a:pPr>
-            <a:endParaRPr lang="es-ES" sz="2000" dirty="0"/>
-          </a:p>
-        </p:txBody>
-      </p:sp>
-      <p:pic>
-        <p:nvPicPr>
-          <p:cNvPr id="4" name="Imagen 3">
-            <a:extLst>
-              <a:ext uri="{FF2B5EF4-FFF2-40B4-BE49-F238E27FC236}">
-                <a16:creationId xmlns:a16="http://schemas.microsoft.com/office/drawing/2014/main" id="{2311A8E6-E75D-699A-5EE9-6451CA2532FB}"/>
-              </a:ext>
-            </a:extLst>
-          </p:cNvPr>
-          <p:cNvPicPr>
-            <a:picLocks noChangeAspect="1"/>
-          </p:cNvPicPr>
-          <p:nvPr/>
-        </p:nvPicPr>
-        <p:blipFill>
-          <a:blip r:embed="rId2"/>
-          <a:stretch>
-            <a:fillRect/>
-          </a:stretch>
-        </p:blipFill>
-        <p:spPr>
-          <a:xfrm>
-            <a:off x="6533681" y="1538287"/>
-            <a:ext cx="5077125" cy="4822054"/>
-          </a:xfrm>
-          <a:prstGeom prst="rect">
-            <a:avLst/>
-          </a:prstGeom>
-        </p:spPr>
-      </p:pic>
-    </p:spTree>
-    <p:extLst>
-      <p:ext uri="{BB962C8B-B14F-4D97-AF65-F5344CB8AC3E}">
-        <p14:creationId xmlns:p14="http://schemas.microsoft.com/office/powerpoint/2010/main" val="3581111884"/>
-      </p:ext>
-    </p:extLst>
-  </p:cSld>
-  <p:clrMapOvr>
-    <a:masterClrMapping/>
-  </p:clrMapOvr>
-</p:sld>
-</file>
-
-<file path=ppt/slides/slide2.xml><?xml version="1.0" encoding="utf-8"?>
-<p:sld xmlns:a="http://schemas.openxmlformats.org/drawingml/2006/main" xmlns:r="http://schemas.openxmlformats.org/officeDocument/2006/relationships" xmlns:p="http://schemas.openxmlformats.org/presentationml/2006/main">
-  <p:cSld>
-    <p:spTree>
-      <p:nvGrpSpPr>
-        <p:cNvPr id="1" name=""/>
-        <p:cNvGrpSpPr/>
-        <p:nvPr/>
-      </p:nvGrpSpPr>
-      <p:grpSpPr>
-        <a:xfrm>
-          <a:off x="0" y="0"/>
-          <a:ext cx="0" cy="0"/>
-          <a:chOff x="0" y="0"/>
-          <a:chExt cx="0" cy="0"/>
-        </a:xfrm>
-      </p:grpSpPr>
-      <p:sp>
-        <p:nvSpPr>
-          <p:cNvPr id="2" name="Título 1">
-            <a:extLst>
-              <a:ext uri="{FF2B5EF4-FFF2-40B4-BE49-F238E27FC236}">
-                <a16:creationId xmlns:a16="http://schemas.microsoft.com/office/drawing/2014/main" id="{64FB3733-FC8D-0C3E-0D79-570148BA494C}"/>
-              </a:ext>
-            </a:extLst>
-          </p:cNvPr>
-          <p:cNvSpPr>
-            <a:spLocks noGrp="1"/>
-          </p:cNvSpPr>
-          <p:nvPr>
-            <p:ph type="title"/>
-          </p:nvPr>
-        </p:nvSpPr>
-        <p:spPr/>
-        <p:txBody>
-          <a:bodyPr/>
-          <a:lstStyle/>
-          <a:p>
-            <a:r>
-              <a:rPr lang="es-ES" sz="4000" dirty="0"/>
-              <a:t>Esquema</a:t>
-            </a:r>
-            <a:endParaRPr lang="es-ES" dirty="0"/>
-          </a:p>
-        </p:txBody>
-      </p:sp>
-      <p:sp>
-        <p:nvSpPr>
-          <p:cNvPr id="3" name="Marcador de contenido 2">
-            <a:extLst>
-              <a:ext uri="{FF2B5EF4-FFF2-40B4-BE49-F238E27FC236}">
-                <a16:creationId xmlns:a16="http://schemas.microsoft.com/office/drawing/2014/main" id="{DB02429D-80D1-589A-EA7F-E7CE049E8D6B}"/>
-              </a:ext>
-            </a:extLst>
-          </p:cNvPr>
-          <p:cNvSpPr>
-            <a:spLocks noGrp="1"/>
-          </p:cNvSpPr>
-          <p:nvPr>
-            <p:ph idx="1"/>
-          </p:nvPr>
-        </p:nvSpPr>
-        <p:spPr/>
-        <p:txBody>
-          <a:bodyPr/>
-          <a:lstStyle/>
-          <a:p>
-            <a:r>
-              <a:rPr lang="es-ES" sz="2400" b="1" dirty="0"/>
-              <a:t>Definición de BCI</a:t>
-            </a:r>
-          </a:p>
-          <a:p>
-            <a:r>
-              <a:rPr lang="es-ES" sz="2400" b="1" dirty="0"/>
-              <a:t>Funcionamiento de un BCI</a:t>
-            </a:r>
-          </a:p>
-          <a:p>
-            <a:r>
-              <a:rPr lang="es-ES" sz="2400" b="1" dirty="0"/>
-              <a:t>Vulnerabilidades y ataques en un BCI</a:t>
-            </a:r>
-          </a:p>
-          <a:p>
-            <a:r>
-              <a:rPr lang="es-ES" sz="2400" b="1" dirty="0"/>
-              <a:t>Neurobiología</a:t>
-            </a:r>
-          </a:p>
-          <a:p>
-            <a:r>
-              <a:rPr lang="es-ES" sz="2400" b="1" dirty="0"/>
-              <a:t>Procesos cognitivos</a:t>
-            </a:r>
-          </a:p>
-        </p:txBody>
-      </p:sp>
-    </p:spTree>
-    <p:extLst>
-      <p:ext uri="{BB962C8B-B14F-4D97-AF65-F5344CB8AC3E}">
-        <p14:creationId xmlns:p14="http://schemas.microsoft.com/office/powerpoint/2010/main" val="2340733001"/>
-      </p:ext>
-    </p:extLst>
-  </p:cSld>
-  <p:clrMapOvr>
-    <a:masterClrMapping/>
-  </p:clrMapOvr>
-</p:sld>
-</file>
-
-<file path=ppt/slides/slide20.xml><?xml version="1.0" encoding="utf-8"?>
-<p:sld xmlns:a="http://schemas.openxmlformats.org/drawingml/2006/main" xmlns:r="http://schemas.openxmlformats.org/officeDocument/2006/relationships" xmlns:p="http://schemas.openxmlformats.org/presentationml/2006/main">
-  <p:cSld>
-    <p:spTree>
-      <p:nvGrpSpPr>
-        <p:cNvPr id="1" name="">
-          <a:extLst>
-            <a:ext uri="{FF2B5EF4-FFF2-40B4-BE49-F238E27FC236}">
               <a16:creationId xmlns:a16="http://schemas.microsoft.com/office/drawing/2014/main" id="{042A0203-BBD8-F26D-20D0-E6415B2D95A7}"/>
             </a:ext>
           </a:extLst>
@@ -6920,7 +6633,118 @@
 </p:sld>
 </file>
 
-<file path=ppt/slides/slide21.xml><?xml version="1.0" encoding="utf-8"?>
+<file path=ppt/slides/slide2.xml><?xml version="1.0" encoding="utf-8"?>
+<p:sld xmlns:a="http://schemas.openxmlformats.org/drawingml/2006/main" xmlns:r="http://schemas.openxmlformats.org/officeDocument/2006/relationships" xmlns:p="http://schemas.openxmlformats.org/presentationml/2006/main">
+  <p:cSld>
+    <p:spTree>
+      <p:nvGrpSpPr>
+        <p:cNvPr id="1" name=""/>
+        <p:cNvGrpSpPr/>
+        <p:nvPr/>
+      </p:nvGrpSpPr>
+      <p:grpSpPr>
+        <a:xfrm>
+          <a:off x="0" y="0"/>
+          <a:ext cx="0" cy="0"/>
+          <a:chOff x="0" y="0"/>
+          <a:chExt cx="0" cy="0"/>
+        </a:xfrm>
+      </p:grpSpPr>
+      <p:sp>
+        <p:nvSpPr>
+          <p:cNvPr id="2" name="Título 1">
+            <a:extLst>
+              <a:ext uri="{FF2B5EF4-FFF2-40B4-BE49-F238E27FC236}">
+                <a16:creationId xmlns:a16="http://schemas.microsoft.com/office/drawing/2014/main" id="{64FB3733-FC8D-0C3E-0D79-570148BA494C}"/>
+              </a:ext>
+            </a:extLst>
+          </p:cNvPr>
+          <p:cNvSpPr>
+            <a:spLocks noGrp="1"/>
+          </p:cNvSpPr>
+          <p:nvPr>
+            <p:ph type="title"/>
+          </p:nvPr>
+        </p:nvSpPr>
+        <p:spPr/>
+        <p:txBody>
+          <a:bodyPr/>
+          <a:lstStyle/>
+          <a:p>
+            <a:r>
+              <a:rPr lang="es-ES" sz="4000" dirty="0"/>
+              <a:t>Esquema</a:t>
+            </a:r>
+            <a:endParaRPr lang="es-ES" dirty="0"/>
+          </a:p>
+        </p:txBody>
+      </p:sp>
+      <p:sp>
+        <p:nvSpPr>
+          <p:cNvPr id="3" name="Marcador de contenido 2">
+            <a:extLst>
+              <a:ext uri="{FF2B5EF4-FFF2-40B4-BE49-F238E27FC236}">
+                <a16:creationId xmlns:a16="http://schemas.microsoft.com/office/drawing/2014/main" id="{DB02429D-80D1-589A-EA7F-E7CE049E8D6B}"/>
+              </a:ext>
+            </a:extLst>
+          </p:cNvPr>
+          <p:cNvSpPr>
+            <a:spLocks noGrp="1"/>
+          </p:cNvSpPr>
+          <p:nvPr>
+            <p:ph idx="1"/>
+          </p:nvPr>
+        </p:nvSpPr>
+        <p:spPr/>
+        <p:txBody>
+          <a:bodyPr/>
+          <a:lstStyle/>
+          <a:p>
+            <a:r>
+              <a:rPr lang="es-ES" sz="2400" b="1" dirty="0"/>
+              <a:t>Definición de BCI</a:t>
+            </a:r>
+          </a:p>
+          <a:p>
+            <a:r>
+              <a:rPr lang="es-ES" sz="2400" b="1" dirty="0"/>
+              <a:t>Funcionamiento de un BCI</a:t>
+            </a:r>
+          </a:p>
+          <a:p>
+            <a:r>
+              <a:rPr lang="es-ES" sz="2400" b="1" dirty="0"/>
+              <a:t>Vulnerabilidades y ataques en un BCI</a:t>
+            </a:r>
+          </a:p>
+          <a:p>
+            <a:r>
+              <a:rPr lang="es-ES" sz="2400" b="1" dirty="0"/>
+              <a:t>Neurobiología</a:t>
+            </a:r>
+          </a:p>
+          <a:p>
+            <a:r>
+              <a:rPr lang="es-ES" sz="2400" b="1" dirty="0"/>
+              <a:t>Procesos cognitivos</a:t>
+            </a:r>
+          </a:p>
+        </p:txBody>
+      </p:sp>
+    </p:spTree>
+    <p:extLst>
+      <p:ext uri="{BB962C8B-B14F-4D97-AF65-F5344CB8AC3E}">
+        <p14:creationId xmlns:p14="http://schemas.microsoft.com/office/powerpoint/2010/main" val="2340733001"/>
+      </p:ext>
+    </p:extLst>
+  </p:cSld>
+  <p:clrMapOvr>
+    <a:masterClrMapping/>
+  </p:clrMapOvr>
+</p:sld>
+</file>
+
+<file path=ppt/slides/slide20.xml><?xml version="1.0" encoding="utf-8"?>
 <p:sld xmlns:a="http://schemas.openxmlformats.org/drawingml/2006/main" xmlns:r="http://schemas.openxmlformats.org/officeDocument/2006/relationships" xmlns:p="http://schemas.openxmlformats.org/presentationml/2006/main">
   <p:cSld>
     <p:spTree>
@@ -7331,7 +7155,7 @@
 </p:sld>
 </file>
 
-<file path=ppt/slides/slide22.xml><?xml version="1.0" encoding="utf-8"?>
+<file path=ppt/slides/slide21.xml><?xml version="1.0" encoding="utf-8"?>
 <p:sld xmlns:a="http://schemas.openxmlformats.org/drawingml/2006/main" xmlns:r="http://schemas.openxmlformats.org/officeDocument/2006/relationships" xmlns:p="http://schemas.openxmlformats.org/presentationml/2006/main">
   <p:cSld>
     <p:spTree>
@@ -7988,14 +7812,14 @@
             <a:pPr algn="just"/>
             <a:r>
               <a:rPr lang="es-ES" sz="2000" dirty="0"/>
-              <a:t>Corteza prefrontal: corto plazo y trabajo.</a:t>
+              <a:t>Hipocampo</a:t>
             </a:r>
           </a:p>
           <a:p>
             <a:pPr algn="just"/>
             <a:r>
               <a:rPr lang="es-ES" sz="2000" dirty="0"/>
-              <a:t>Hipocampo: largo plazo</a:t>
+              <a:t>Corteza prefrontal</a:t>
             </a:r>
           </a:p>
           <a:p>
@@ -9813,7 +9637,7 @@
             </a:r>
             <a:r>
               <a:rPr lang="es-ES" sz="1800" dirty="0"/>
-              <a:t> consiste en cambiar el comportamiento de las neuronas durante un intervalo de tiempo.</a:t>
+              <a:t> consiste en cambiar el comportamiento de las neuronas durante un intervalo de tiempo, inhibiendo las neuronas que fueran a activarse.</a:t>
             </a:r>
           </a:p>
         </p:txBody>
